--- a/Week14/01 Introduction to Week 14.pptx
+++ b/Week14/01 Introduction to Week 14.pptx
@@ -116,6 +116,80 @@
 </p:presentation>
 </file>
 
+<file path=ppt/changesInfos/changesInfo1.xml><?xml version="1.0" encoding="utf-8"?>
+<pc:chgInfo xmlns:a="http://schemas.openxmlformats.org/drawingml/2006/main" xmlns:r="http://schemas.openxmlformats.org/officeDocument/2006/relationships" xmlns:ac="http://schemas.microsoft.com/office/drawing/2013/main/command" xmlns:pc="http://schemas.microsoft.com/office/powerpoint/2013/main/command">
+  <pc:docChgLst>
+    <pc:chgData name="Chuck Kiefriter" userId="a996b49251c4dfd2" providerId="LiveId" clId="{955D0396-4A3C-4CCA-B329-D0BB7E99414B}"/>
+    <pc:docChg chg="custSel modSld">
+      <pc:chgData name="Chuck Kiefriter" userId="a996b49251c4dfd2" providerId="LiveId" clId="{955D0396-4A3C-4CCA-B329-D0BB7E99414B}" dt="2024-03-19T22:15:16.833" v="4" actId="14100"/>
+      <pc:docMkLst>
+        <pc:docMk/>
+      </pc:docMkLst>
+      <pc:sldChg chg="modSp mod">
+        <pc:chgData name="Chuck Kiefriter" userId="a996b49251c4dfd2" providerId="LiveId" clId="{955D0396-4A3C-4CCA-B329-D0BB7E99414B}" dt="2024-03-19T22:14:34.628" v="2" actId="27636"/>
+        <pc:sldMkLst>
+          <pc:docMk/>
+          <pc:sldMk cId="2231402757" sldId="257"/>
+        </pc:sldMkLst>
+        <pc:spChg chg="mod">
+          <ac:chgData name="Chuck Kiefriter" userId="a996b49251c4dfd2" providerId="LiveId" clId="{955D0396-4A3C-4CCA-B329-D0BB7E99414B}" dt="2024-03-19T22:14:34.628" v="2" actId="27636"/>
+          <ac:spMkLst>
+            <pc:docMk/>
+            <pc:sldMk cId="2231402757" sldId="257"/>
+            <ac:spMk id="3" creationId="{F65227CB-B81E-3D0F-C541-C6C2DB489789}"/>
+          </ac:spMkLst>
+        </pc:spChg>
+      </pc:sldChg>
+      <pc:sldChg chg="modSp mod">
+        <pc:chgData name="Chuck Kiefriter" userId="a996b49251c4dfd2" providerId="LiveId" clId="{955D0396-4A3C-4CCA-B329-D0BB7E99414B}" dt="2024-03-19T22:14:21.267" v="0" actId="14100"/>
+        <pc:sldMkLst>
+          <pc:docMk/>
+          <pc:sldMk cId="1566397783" sldId="258"/>
+        </pc:sldMkLst>
+        <pc:spChg chg="mod">
+          <ac:chgData name="Chuck Kiefriter" userId="a996b49251c4dfd2" providerId="LiveId" clId="{955D0396-4A3C-4CCA-B329-D0BB7E99414B}" dt="2024-03-19T22:14:21.267" v="0" actId="14100"/>
+          <ac:spMkLst>
+            <pc:docMk/>
+            <pc:sldMk cId="1566397783" sldId="258"/>
+            <ac:spMk id="3" creationId="{1CEF8275-BC76-B73C-17F1-FA62BB3DC8C7}"/>
+          </ac:spMkLst>
+        </pc:spChg>
+      </pc:sldChg>
+      <pc:sldChg chg="modSp mod">
+        <pc:chgData name="Chuck Kiefriter" userId="a996b49251c4dfd2" providerId="LiveId" clId="{955D0396-4A3C-4CCA-B329-D0BB7E99414B}" dt="2024-03-19T22:14:57.182" v="3" actId="14100"/>
+        <pc:sldMkLst>
+          <pc:docMk/>
+          <pc:sldMk cId="1012698061" sldId="259"/>
+        </pc:sldMkLst>
+        <pc:spChg chg="mod">
+          <ac:chgData name="Chuck Kiefriter" userId="a996b49251c4dfd2" providerId="LiveId" clId="{955D0396-4A3C-4CCA-B329-D0BB7E99414B}" dt="2024-03-19T22:14:57.182" v="3" actId="14100"/>
+          <ac:spMkLst>
+            <pc:docMk/>
+            <pc:sldMk cId="1012698061" sldId="259"/>
+            <ac:spMk id="3" creationId="{D9E41B97-2523-9A06-571C-90671632B394}"/>
+          </ac:spMkLst>
+        </pc:spChg>
+      </pc:sldChg>
+      <pc:sldChg chg="modSp mod">
+        <pc:chgData name="Chuck Kiefriter" userId="a996b49251c4dfd2" providerId="LiveId" clId="{955D0396-4A3C-4CCA-B329-D0BB7E99414B}" dt="2024-03-19T22:15:16.833" v="4" actId="14100"/>
+        <pc:sldMkLst>
+          <pc:docMk/>
+          <pc:sldMk cId="3601915847" sldId="260"/>
+        </pc:sldMkLst>
+        <pc:spChg chg="mod">
+          <ac:chgData name="Chuck Kiefriter" userId="a996b49251c4dfd2" providerId="LiveId" clId="{955D0396-4A3C-4CCA-B329-D0BB7E99414B}" dt="2024-03-19T22:15:16.833" v="4" actId="14100"/>
+          <ac:spMkLst>
+            <pc:docMk/>
+            <pc:sldMk cId="3601915847" sldId="260"/>
+            <ac:spMk id="3" creationId="{32EE118E-5B5B-F3B8-9012-2155970D191B}"/>
+          </ac:spMkLst>
+        </pc:spChg>
+      </pc:sldChg>
+    </pc:docChg>
+  </pc:docChgLst>
+</pc:chgInfo>
+</file>
+
 <file path=ppt/slideLayouts/slideLayout1.xml><?xml version="1.0" encoding="utf-8"?>
 <p:sldLayout xmlns:a="http://schemas.openxmlformats.org/drawingml/2006/main" xmlns:r="http://schemas.openxmlformats.org/officeDocument/2006/relationships" xmlns:p="http://schemas.openxmlformats.org/presentationml/2006/main" type="title" preserve="1">
   <p:cSld name="Title Slide">
@@ -247,7 +321,7 @@
           <a:p>
             <a:fld id="{FA78525E-F07D-4EDE-B4D4-23C392AB0367}" type="datetimeFigureOut">
               <a:rPr lang="en-US" smtClean="0"/>
-              <a:t>10/17/2022</a:t>
+              <a:t>3/19/2024</a:t>
             </a:fld>
             <a:endParaRPr lang="en-US"/>
           </a:p>
@@ -417,7 +491,7 @@
           <a:p>
             <a:fld id="{FA78525E-F07D-4EDE-B4D4-23C392AB0367}" type="datetimeFigureOut">
               <a:rPr lang="en-US" smtClean="0"/>
-              <a:t>10/17/2022</a:t>
+              <a:t>3/19/2024</a:t>
             </a:fld>
             <a:endParaRPr lang="en-US"/>
           </a:p>
@@ -597,7 +671,7 @@
           <a:p>
             <a:fld id="{FA78525E-F07D-4EDE-B4D4-23C392AB0367}" type="datetimeFigureOut">
               <a:rPr lang="en-US" smtClean="0"/>
-              <a:t>10/17/2022</a:t>
+              <a:t>3/19/2024</a:t>
             </a:fld>
             <a:endParaRPr lang="en-US"/>
           </a:p>
@@ -767,7 +841,7 @@
           <a:p>
             <a:fld id="{FA78525E-F07D-4EDE-B4D4-23C392AB0367}" type="datetimeFigureOut">
               <a:rPr lang="en-US" smtClean="0"/>
-              <a:t>10/17/2022</a:t>
+              <a:t>3/19/2024</a:t>
             </a:fld>
             <a:endParaRPr lang="en-US"/>
           </a:p>
@@ -1013,7 +1087,7 @@
           <a:p>
             <a:fld id="{FA78525E-F07D-4EDE-B4D4-23C392AB0367}" type="datetimeFigureOut">
               <a:rPr lang="en-US" smtClean="0"/>
-              <a:t>10/17/2022</a:t>
+              <a:t>3/19/2024</a:t>
             </a:fld>
             <a:endParaRPr lang="en-US"/>
           </a:p>
@@ -1245,7 +1319,7 @@
           <a:p>
             <a:fld id="{FA78525E-F07D-4EDE-B4D4-23C392AB0367}" type="datetimeFigureOut">
               <a:rPr lang="en-US" smtClean="0"/>
-              <a:t>10/17/2022</a:t>
+              <a:t>3/19/2024</a:t>
             </a:fld>
             <a:endParaRPr lang="en-US"/>
           </a:p>
@@ -1612,7 +1686,7 @@
           <a:p>
             <a:fld id="{FA78525E-F07D-4EDE-B4D4-23C392AB0367}" type="datetimeFigureOut">
               <a:rPr lang="en-US" smtClean="0"/>
-              <a:t>10/17/2022</a:t>
+              <a:t>3/19/2024</a:t>
             </a:fld>
             <a:endParaRPr lang="en-US"/>
           </a:p>
@@ -1730,7 +1804,7 @@
           <a:p>
             <a:fld id="{FA78525E-F07D-4EDE-B4D4-23C392AB0367}" type="datetimeFigureOut">
               <a:rPr lang="en-US" smtClean="0"/>
-              <a:t>10/17/2022</a:t>
+              <a:t>3/19/2024</a:t>
             </a:fld>
             <a:endParaRPr lang="en-US"/>
           </a:p>
@@ -1825,7 +1899,7 @@
           <a:p>
             <a:fld id="{FA78525E-F07D-4EDE-B4D4-23C392AB0367}" type="datetimeFigureOut">
               <a:rPr lang="en-US" smtClean="0"/>
-              <a:t>10/17/2022</a:t>
+              <a:t>3/19/2024</a:t>
             </a:fld>
             <a:endParaRPr lang="en-US"/>
           </a:p>
@@ -2102,7 +2176,7 @@
           <a:p>
             <a:fld id="{FA78525E-F07D-4EDE-B4D4-23C392AB0367}" type="datetimeFigureOut">
               <a:rPr lang="en-US" smtClean="0"/>
-              <a:t>10/17/2022</a:t>
+              <a:t>3/19/2024</a:t>
             </a:fld>
             <a:endParaRPr lang="en-US"/>
           </a:p>
@@ -2359,7 +2433,7 @@
           <a:p>
             <a:fld id="{FA78525E-F07D-4EDE-B4D4-23C392AB0367}" type="datetimeFigureOut">
               <a:rPr lang="en-US" smtClean="0"/>
-              <a:t>10/17/2022</a:t>
+              <a:t>3/19/2024</a:t>
             </a:fld>
             <a:endParaRPr lang="en-US"/>
           </a:p>
@@ -2572,7 +2646,7 @@
           <a:p>
             <a:fld id="{FA78525E-F07D-4EDE-B4D4-23C392AB0367}" type="datetimeFigureOut">
               <a:rPr lang="en-US" smtClean="0"/>
-              <a:t>10/17/2022</a:t>
+              <a:t>3/19/2024</a:t>
             </a:fld>
             <a:endParaRPr lang="en-US"/>
           </a:p>
@@ -3120,12 +3194,12 @@
         <p:spPr>
           <a:xfrm>
             <a:off x="838200" y="1825625"/>
-            <a:ext cx="5257800" cy="4351338"/>
+            <a:ext cx="11131296" cy="4351338"/>
           </a:xfrm>
         </p:spPr>
         <p:txBody>
           <a:bodyPr>
-            <a:normAutofit lnSpcReduction="10000"/>
+            <a:normAutofit/>
           </a:bodyPr>
           <a:lstStyle/>
           <a:p>
@@ -3230,13 +3304,13 @@
   <p:clrMapOvr>
     <a:masterClrMapping/>
   </p:clrMapOvr>
-  <mc:AlternateContent xmlns:mc="http://schemas.openxmlformats.org/markup-compatibility/2006">
-    <mc:Choice xmlns:p14="http://schemas.microsoft.com/office/powerpoint/2010/main" Requires="p14">
+  <mc:AlternateContent xmlns:mc="http://schemas.openxmlformats.org/markup-compatibility/2006" xmlns:p14="http://schemas.microsoft.com/office/powerpoint/2010/main">
+    <mc:Choice Requires="p14">
       <p:transition spd="med" p14:dur="700">
         <p:fade/>
       </p:transition>
     </mc:Choice>
-    <mc:Fallback>
+    <mc:Fallback xmlns="">
       <p:transition spd="med">
         <p:fade/>
       </p:transition>
@@ -3308,8 +3382,8 @@
         </p:nvSpPr>
         <p:spPr>
           <a:xfrm>
-            <a:off x="838201" y="1825625"/>
-            <a:ext cx="5485108" cy="4351338"/>
+            <a:off x="838200" y="1825625"/>
+            <a:ext cx="7848599" cy="4351338"/>
           </a:xfrm>
         </p:spPr>
         <p:txBody>
@@ -3403,13 +3477,13 @@
   <p:clrMapOvr>
     <a:masterClrMapping/>
   </p:clrMapOvr>
-  <mc:AlternateContent xmlns:mc="http://schemas.openxmlformats.org/markup-compatibility/2006">
-    <mc:Choice xmlns:p14="http://schemas.microsoft.com/office/powerpoint/2010/main" Requires="p14">
+  <mc:AlternateContent xmlns:mc="http://schemas.openxmlformats.org/markup-compatibility/2006" xmlns:p14="http://schemas.microsoft.com/office/powerpoint/2010/main">
+    <mc:Choice Requires="p14">
       <p:transition spd="med" p14:dur="700">
         <p:fade/>
       </p:transition>
     </mc:Choice>
-    <mc:Fallback>
+    <mc:Fallback xmlns="">
       <p:transition spd="med">
         <p:fade/>
       </p:transition>
@@ -3482,7 +3556,7 @@
         <p:spPr>
           <a:xfrm>
             <a:off x="838200" y="1825625"/>
-            <a:ext cx="5593597" cy="4351338"/>
+            <a:ext cx="9604248" cy="4351338"/>
           </a:xfrm>
         </p:spPr>
         <p:txBody>
@@ -3581,13 +3655,13 @@
   <p:clrMapOvr>
     <a:masterClrMapping/>
   </p:clrMapOvr>
-  <mc:AlternateContent xmlns:mc="http://schemas.openxmlformats.org/markup-compatibility/2006">
-    <mc:Choice xmlns:p14="http://schemas.microsoft.com/office/powerpoint/2010/main" Requires="p14">
+  <mc:AlternateContent xmlns:mc="http://schemas.openxmlformats.org/markup-compatibility/2006" xmlns:p14="http://schemas.microsoft.com/office/powerpoint/2010/main">
+    <mc:Choice Requires="p14">
       <p:transition spd="med" p14:dur="700">
         <p:fade/>
       </p:transition>
     </mc:Choice>
-    <mc:Fallback>
+    <mc:Fallback xmlns="">
       <p:transition spd="med">
         <p:fade/>
       </p:transition>
@@ -3632,7 +3706,7 @@
         <p:spPr>
           <a:xfrm>
             <a:off x="838200" y="2373528"/>
-            <a:ext cx="3563319" cy="2110944"/>
+            <a:ext cx="10372344" cy="2110944"/>
           </a:xfrm>
         </p:spPr>
         <p:txBody>
@@ -3671,13 +3745,13 @@
   <p:clrMapOvr>
     <a:masterClrMapping/>
   </p:clrMapOvr>
-  <mc:AlternateContent xmlns:mc="http://schemas.openxmlformats.org/markup-compatibility/2006">
-    <mc:Choice xmlns:p14="http://schemas.microsoft.com/office/powerpoint/2010/main" Requires="p14">
+  <mc:AlternateContent xmlns:mc="http://schemas.openxmlformats.org/markup-compatibility/2006" xmlns:p14="http://schemas.microsoft.com/office/powerpoint/2010/main">
+    <mc:Choice Requires="p14">
       <p:transition spd="med" p14:dur="700">
         <p:fade/>
       </p:transition>
     </mc:Choice>
-    <mc:Fallback>
+    <mc:Fallback xmlns="">
       <p:transition spd="med">
         <p:fade/>
       </p:transition>
